--- a/PM docs/Presentation.pptx
+++ b/PM docs/Presentation.pptx
@@ -10,16 +10,17 @@
     <p:sldId id="270" r:id="rId4"/>
     <p:sldId id="257" r:id="rId5"/>
     <p:sldId id="258" r:id="rId6"/>
-    <p:sldId id="259" r:id="rId7"/>
-    <p:sldId id="271" r:id="rId8"/>
+    <p:sldId id="271" r:id="rId7"/>
+    <p:sldId id="259" r:id="rId8"/>
     <p:sldId id="263" r:id="rId9"/>
-    <p:sldId id="260" r:id="rId10"/>
-    <p:sldId id="262" r:id="rId11"/>
-    <p:sldId id="261" r:id="rId12"/>
-    <p:sldId id="264" r:id="rId13"/>
-    <p:sldId id="267" r:id="rId14"/>
-    <p:sldId id="268" r:id="rId15"/>
-    <p:sldId id="266" r:id="rId16"/>
+    <p:sldId id="267" r:id="rId10"/>
+    <p:sldId id="268" r:id="rId11"/>
+    <p:sldId id="272" r:id="rId12"/>
+    <p:sldId id="260" r:id="rId13"/>
+    <p:sldId id="262" r:id="rId14"/>
+    <p:sldId id="261" r:id="rId15"/>
+    <p:sldId id="264" r:id="rId16"/>
+    <p:sldId id="266" r:id="rId17"/>
   </p:sldIdLst>
   <p:sldSz cx="9144000" cy="6858000" type="screen4x3"/>
   <p:notesSz cx="6858000" cy="9144000"/>
@@ -17755,6 +17756,414 @@
           <a:bodyPr/>
           <a:lstStyle/>
           <a:p>
+            <a:endParaRPr lang="en-GB"/>
+          </a:p>
+        </p:txBody>
+      </p:sp>
+      <p:graphicFrame>
+        <p:nvGraphicFramePr>
+          <p:cNvPr id="4" name="資料庫圖表 11"/>
+          <p:cNvGraphicFramePr>
+            <a:graphicFrameLocks noGrp="1"/>
+          </p:cNvGraphicFramePr>
+          <p:nvPr>
+            <p:ph idx="1"/>
+            <p:extLst>
+              <p:ext uri="{D42A27DB-BD31-4B8C-83A1-F6EECF244321}">
+                <p14:modId xmlns:p14="http://schemas.microsoft.com/office/powerpoint/2010/main" val="2047569850"/>
+              </p:ext>
+            </p:extLst>
+          </p:nvPr>
+        </p:nvGraphicFramePr>
+        <p:xfrm>
+          <a:off x="628650" y="365126"/>
+          <a:ext cx="7886700" cy="5811837"/>
+        </p:xfrm>
+        <a:graphic>
+          <a:graphicData uri="http://schemas.openxmlformats.org/drawingml/2006/diagram">
+            <dgm:relIds xmlns:dgm="http://schemas.openxmlformats.org/drawingml/2006/diagram" xmlns:r="http://schemas.openxmlformats.org/officeDocument/2006/relationships" r:dm="rId2" r:lo="rId3" r:qs="rId4" r:cs="rId5"/>
+          </a:graphicData>
+        </a:graphic>
+      </p:graphicFrame>
+    </p:spTree>
+    <p:extLst>
+      <p:ext uri="{BB962C8B-B14F-4D97-AF65-F5344CB8AC3E}">
+        <p14:creationId xmlns:p14="http://schemas.microsoft.com/office/powerpoint/2010/main" val="4209368434"/>
+      </p:ext>
+    </p:extLst>
+  </p:cSld>
+  <p:clrMapOvr>
+    <a:masterClrMapping/>
+  </p:clrMapOvr>
+</p:sld>
+</file>
+
+<file path=ppt/slides/slide11.xml><?xml version="1.0" encoding="utf-8"?>
+<p:sld xmlns:a="http://schemas.openxmlformats.org/drawingml/2006/main" xmlns:r="http://schemas.openxmlformats.org/officeDocument/2006/relationships" xmlns:p="http://schemas.openxmlformats.org/presentationml/2006/main">
+  <p:cSld>
+    <p:spTree>
+      <p:nvGrpSpPr>
+        <p:cNvPr id="1" name=""/>
+        <p:cNvGrpSpPr/>
+        <p:nvPr/>
+      </p:nvGrpSpPr>
+      <p:grpSpPr>
+        <a:xfrm>
+          <a:off x="0" y="0"/>
+          <a:ext cx="0" cy="0"/>
+          <a:chOff x="0" y="0"/>
+          <a:chExt cx="0" cy="0"/>
+        </a:xfrm>
+      </p:grpSpPr>
+      <p:sp>
+        <p:nvSpPr>
+          <p:cNvPr id="2" name="Title 1"/>
+          <p:cNvSpPr>
+            <a:spLocks noGrp="1"/>
+          </p:cNvSpPr>
+          <p:nvPr>
+            <p:ph type="title"/>
+          </p:nvPr>
+        </p:nvSpPr>
+        <p:spPr/>
+        <p:txBody>
+          <a:bodyPr/>
+          <a:lstStyle/>
+          <a:p>
+            <a:r>
+              <a:rPr lang="en-GB" dirty="0" smtClean="0"/>
+              <a:t>Class Scheduler - Environment</a:t>
+            </a:r>
+            <a:endParaRPr lang="en-GB" dirty="0"/>
+          </a:p>
+        </p:txBody>
+      </p:sp>
+      <p:graphicFrame>
+        <p:nvGraphicFramePr>
+          <p:cNvPr id="6" name="Content Placeholder 5"/>
+          <p:cNvGraphicFramePr>
+            <a:graphicFrameLocks noGrp="1"/>
+          </p:cNvGraphicFramePr>
+          <p:nvPr>
+            <p:ph idx="1"/>
+            <p:extLst>
+              <p:ext uri="{D42A27DB-BD31-4B8C-83A1-F6EECF244321}">
+                <p14:modId xmlns:p14="http://schemas.microsoft.com/office/powerpoint/2010/main" val="922293617"/>
+              </p:ext>
+            </p:extLst>
+          </p:nvPr>
+        </p:nvGraphicFramePr>
+        <p:xfrm>
+          <a:off x="628650" y="1825625"/>
+          <a:ext cx="7886700" cy="1981200"/>
+        </p:xfrm>
+        <a:graphic>
+          <a:graphicData uri="http://schemas.openxmlformats.org/drawingml/2006/table">
+            <a:tbl>
+              <a:tblPr firstRow="1" bandRow="1">
+                <a:tableStyleId>{00A15C55-8517-42AA-B614-E9B94910E393}</a:tableStyleId>
+              </a:tblPr>
+              <a:tblGrid>
+                <a:gridCol w="3943350"/>
+                <a:gridCol w="3943350"/>
+              </a:tblGrid>
+              <a:tr h="370840">
+                <a:tc>
+                  <a:txBody>
+                    <a:bodyPr/>
+                    <a:lstStyle/>
+                    <a:p>
+                      <a:pPr algn="ctr"/>
+                      <a:r>
+                        <a:rPr lang="en-GB" sz="2000" dirty="0" smtClean="0"/>
+                        <a:t>Tool</a:t>
+                      </a:r>
+                      <a:endParaRPr lang="en-GB" sz="2000" dirty="0"/>
+                    </a:p>
+                  </a:txBody>
+                  <a:tcPr/>
+                </a:tc>
+                <a:tc>
+                  <a:txBody>
+                    <a:bodyPr/>
+                    <a:lstStyle/>
+                    <a:p>
+                      <a:pPr algn="ctr"/>
+                      <a:r>
+                        <a:rPr lang="en-GB" sz="2000" dirty="0" smtClean="0"/>
+                        <a:t>Usage</a:t>
+                      </a:r>
+                      <a:endParaRPr lang="en-GB" sz="2000" dirty="0"/>
+                    </a:p>
+                  </a:txBody>
+                  <a:tcPr/>
+                </a:tc>
+              </a:tr>
+              <a:tr h="370840">
+                <a:tc>
+                  <a:txBody>
+                    <a:bodyPr/>
+                    <a:lstStyle/>
+                    <a:p>
+                      <a:r>
+                        <a:rPr lang="en-GB" sz="2000" dirty="0" smtClean="0"/>
+                        <a:t>Google Code</a:t>
+                      </a:r>
+                      <a:endParaRPr lang="en-GB" sz="2000" dirty="0"/>
+                    </a:p>
+                  </a:txBody>
+                  <a:tcPr/>
+                </a:tc>
+                <a:tc>
+                  <a:txBody>
+                    <a:bodyPr/>
+                    <a:lstStyle/>
+                    <a:p>
+                      <a:r>
+                        <a:rPr lang="en-GB" sz="2000" dirty="0" smtClean="0"/>
+                        <a:t>Repository</a:t>
+                      </a:r>
+                    </a:p>
+                  </a:txBody>
+                  <a:tcPr/>
+                </a:tc>
+              </a:tr>
+              <a:tr h="370840">
+                <a:tc>
+                  <a:txBody>
+                    <a:bodyPr/>
+                    <a:lstStyle/>
+                    <a:p>
+                      <a:r>
+                        <a:rPr lang="en-GB" sz="2000" dirty="0" err="1" smtClean="0"/>
+                        <a:t>TortoiseSVN</a:t>
+                      </a:r>
+                      <a:endParaRPr lang="en-GB" sz="2000" dirty="0"/>
+                    </a:p>
+                  </a:txBody>
+                  <a:tcPr/>
+                </a:tc>
+                <a:tc>
+                  <a:txBody>
+                    <a:bodyPr/>
+                    <a:lstStyle/>
+                    <a:p>
+                      <a:r>
+                        <a:rPr lang="en-GB" sz="2000" dirty="0" smtClean="0"/>
+                        <a:t>Version</a:t>
+                      </a:r>
+                      <a:r>
+                        <a:rPr lang="en-GB" sz="2000" baseline="0" dirty="0" smtClean="0"/>
+                        <a:t> Control</a:t>
+                      </a:r>
+                    </a:p>
+                  </a:txBody>
+                  <a:tcPr/>
+                </a:tc>
+              </a:tr>
+              <a:tr h="370840">
+                <a:tc>
+                  <a:txBody>
+                    <a:bodyPr/>
+                    <a:lstStyle/>
+                    <a:p>
+                      <a:r>
+                        <a:rPr lang="en-GB" sz="2000" dirty="0" smtClean="0"/>
+                        <a:t>Eclipse</a:t>
+                      </a:r>
+                      <a:endParaRPr lang="en-GB" sz="2000" dirty="0"/>
+                    </a:p>
+                  </a:txBody>
+                  <a:tcPr/>
+                </a:tc>
+                <a:tc>
+                  <a:txBody>
+                    <a:bodyPr/>
+                    <a:lstStyle/>
+                    <a:p>
+                      <a:r>
+                        <a:rPr lang="en-GB" sz="2000" baseline="0" dirty="0" smtClean="0"/>
+                        <a:t>IDE</a:t>
+                      </a:r>
+                    </a:p>
+                  </a:txBody>
+                  <a:tcPr/>
+                </a:tc>
+              </a:tr>
+              <a:tr h="370840">
+                <a:tc>
+                  <a:txBody>
+                    <a:bodyPr/>
+                    <a:lstStyle/>
+                    <a:p>
+                      <a:r>
+                        <a:rPr lang="en-GB" sz="2000" dirty="0" err="1" smtClean="0"/>
+                        <a:t>JUnit</a:t>
+                      </a:r>
+                      <a:endParaRPr lang="en-GB" sz="2000" dirty="0"/>
+                    </a:p>
+                  </a:txBody>
+                  <a:tcPr/>
+                </a:tc>
+                <a:tc>
+                  <a:txBody>
+                    <a:bodyPr/>
+                    <a:lstStyle/>
+                    <a:p>
+                      <a:r>
+                        <a:rPr lang="en-GB" sz="2000" baseline="0" dirty="0" smtClean="0"/>
+                        <a:t>Testing</a:t>
+                      </a:r>
+                    </a:p>
+                  </a:txBody>
+                  <a:tcPr/>
+                </a:tc>
+              </a:tr>
+            </a:tbl>
+          </a:graphicData>
+        </a:graphic>
+      </p:graphicFrame>
+    </p:spTree>
+    <p:extLst>
+      <p:ext uri="{BB962C8B-B14F-4D97-AF65-F5344CB8AC3E}">
+        <p14:creationId xmlns:p14="http://schemas.microsoft.com/office/powerpoint/2010/main" val="3862418655"/>
+      </p:ext>
+    </p:extLst>
+  </p:cSld>
+  <p:clrMapOvr>
+    <a:masterClrMapping/>
+  </p:clrMapOvr>
+</p:sld>
+</file>
+
+<file path=ppt/slides/slide12.xml><?xml version="1.0" encoding="utf-8"?>
+<p:sld xmlns:a="http://schemas.openxmlformats.org/drawingml/2006/main" xmlns:r="http://schemas.openxmlformats.org/officeDocument/2006/relationships" xmlns:p="http://schemas.openxmlformats.org/presentationml/2006/main">
+  <p:cSld>
+    <p:spTree>
+      <p:nvGrpSpPr>
+        <p:cNvPr id="1" name=""/>
+        <p:cNvGrpSpPr/>
+        <p:nvPr/>
+      </p:nvGrpSpPr>
+      <p:grpSpPr>
+        <a:xfrm>
+          <a:off x="0" y="0"/>
+          <a:ext cx="0" cy="0"/>
+          <a:chOff x="0" y="0"/>
+          <a:chExt cx="0" cy="0"/>
+        </a:xfrm>
+      </p:grpSpPr>
+      <p:sp>
+        <p:nvSpPr>
+          <p:cNvPr id="2" name="Title 1"/>
+          <p:cNvSpPr>
+            <a:spLocks noGrp="1"/>
+          </p:cNvSpPr>
+          <p:nvPr>
+            <p:ph type="title"/>
+          </p:nvPr>
+        </p:nvSpPr>
+        <p:spPr/>
+        <p:txBody>
+          <a:bodyPr/>
+          <a:lstStyle/>
+          <a:p>
+            <a:r>
+              <a:rPr lang="en-GB" dirty="0" smtClean="0"/>
+              <a:t>Class Scheduler - Environment</a:t>
+            </a:r>
+            <a:endParaRPr lang="en-GB" dirty="0"/>
+          </a:p>
+        </p:txBody>
+      </p:sp>
+      <p:sp>
+        <p:nvSpPr>
+          <p:cNvPr id="4" name="Content Placeholder 3"/>
+          <p:cNvSpPr>
+            <a:spLocks noGrp="1"/>
+          </p:cNvSpPr>
+          <p:nvPr>
+            <p:ph idx="1"/>
+          </p:nvPr>
+        </p:nvSpPr>
+        <p:spPr/>
+        <p:txBody>
+          <a:bodyPr/>
+          <a:lstStyle/>
+          <a:p>
+            <a:endParaRPr lang="en-GB" dirty="0"/>
+          </a:p>
+        </p:txBody>
+      </p:sp>
+      <p:pic>
+        <p:nvPicPr>
+          <p:cNvPr id="3" name="Picture 2"/>
+          <p:cNvPicPr>
+            <a:picLocks noChangeAspect="1"/>
+          </p:cNvPicPr>
+          <p:nvPr/>
+        </p:nvPicPr>
+        <p:blipFill>
+          <a:blip r:embed="rId2"/>
+          <a:stretch>
+            <a:fillRect/>
+          </a:stretch>
+        </p:blipFill>
+        <p:spPr>
+          <a:xfrm>
+            <a:off x="628651" y="1825625"/>
+            <a:ext cx="7911728" cy="4448175"/>
+          </a:xfrm>
+          <a:prstGeom prst="rect">
+            <a:avLst/>
+          </a:prstGeom>
+        </p:spPr>
+      </p:pic>
+    </p:spTree>
+    <p:extLst>
+      <p:ext uri="{BB962C8B-B14F-4D97-AF65-F5344CB8AC3E}">
+        <p14:creationId xmlns:p14="http://schemas.microsoft.com/office/powerpoint/2010/main" val="3237865628"/>
+      </p:ext>
+    </p:extLst>
+  </p:cSld>
+  <p:clrMapOvr>
+    <a:masterClrMapping/>
+  </p:clrMapOvr>
+</p:sld>
+</file>
+
+<file path=ppt/slides/slide13.xml><?xml version="1.0" encoding="utf-8"?>
+<p:sld xmlns:a="http://schemas.openxmlformats.org/drawingml/2006/main" xmlns:r="http://schemas.openxmlformats.org/officeDocument/2006/relationships" xmlns:p="http://schemas.openxmlformats.org/presentationml/2006/main">
+  <p:cSld>
+    <p:spTree>
+      <p:nvGrpSpPr>
+        <p:cNvPr id="1" name=""/>
+        <p:cNvGrpSpPr/>
+        <p:nvPr/>
+      </p:nvGrpSpPr>
+      <p:grpSpPr>
+        <a:xfrm>
+          <a:off x="0" y="0"/>
+          <a:ext cx="0" cy="0"/>
+          <a:chOff x="0" y="0"/>
+          <a:chExt cx="0" cy="0"/>
+        </a:xfrm>
+      </p:grpSpPr>
+      <p:sp>
+        <p:nvSpPr>
+          <p:cNvPr id="2" name="Title 1"/>
+          <p:cNvSpPr>
+            <a:spLocks noGrp="1"/>
+          </p:cNvSpPr>
+          <p:nvPr>
+            <p:ph type="title"/>
+          </p:nvPr>
+        </p:nvSpPr>
+        <p:spPr/>
+        <p:txBody>
+          <a:bodyPr/>
+          <a:lstStyle/>
+          <a:p>
             <a:r>
               <a:rPr lang="en-GB" dirty="0"/>
               <a:t>Class Scheduler - Environment</a:t>
@@ -17818,7 +18227,7 @@
 </p:sld>
 </file>
 
-<file path=ppt/slides/slide11.xml><?xml version="1.0" encoding="utf-8"?>
+<file path=ppt/slides/slide14.xml><?xml version="1.0" encoding="utf-8"?>
 <p:sld xmlns:a="http://schemas.openxmlformats.org/drawingml/2006/main" xmlns:r="http://schemas.openxmlformats.org/officeDocument/2006/relationships" xmlns:p="http://schemas.openxmlformats.org/presentationml/2006/main">
   <p:cSld>
     <p:spTree>
@@ -17913,7 +18322,7 @@
 </p:sld>
 </file>
 
-<file path=ppt/slides/slide12.xml><?xml version="1.0" encoding="utf-8"?>
+<file path=ppt/slides/slide15.xml><?xml version="1.0" encoding="utf-8"?>
 <p:sld xmlns:a="http://schemas.openxmlformats.org/drawingml/2006/main" xmlns:r="http://schemas.openxmlformats.org/officeDocument/2006/relationships" xmlns:p="http://schemas.openxmlformats.org/presentationml/2006/main">
   <p:cSld>
     <p:spTree>
@@ -18008,155 +18417,7 @@
 </p:sld>
 </file>
 
-<file path=ppt/slides/slide13.xml><?xml version="1.0" encoding="utf-8"?>
-<p:sld xmlns:a="http://schemas.openxmlformats.org/drawingml/2006/main" xmlns:r="http://schemas.openxmlformats.org/officeDocument/2006/relationships" xmlns:p="http://schemas.openxmlformats.org/presentationml/2006/main">
-  <p:cSld>
-    <p:spTree>
-      <p:nvGrpSpPr>
-        <p:cNvPr id="1" name=""/>
-        <p:cNvGrpSpPr/>
-        <p:nvPr/>
-      </p:nvGrpSpPr>
-      <p:grpSpPr>
-        <a:xfrm>
-          <a:off x="0" y="0"/>
-          <a:ext cx="0" cy="0"/>
-          <a:chOff x="0" y="0"/>
-          <a:chExt cx="0" cy="0"/>
-        </a:xfrm>
-      </p:grpSpPr>
-      <p:sp>
-        <p:nvSpPr>
-          <p:cNvPr id="2" name="Title 1"/>
-          <p:cNvSpPr>
-            <a:spLocks noGrp="1"/>
-          </p:cNvSpPr>
-          <p:nvPr>
-            <p:ph type="title"/>
-          </p:nvPr>
-        </p:nvSpPr>
-        <p:spPr/>
-        <p:txBody>
-          <a:bodyPr/>
-          <a:lstStyle/>
-          <a:p>
-            <a:endParaRPr lang="en-GB"/>
-          </a:p>
-        </p:txBody>
-      </p:sp>
-      <p:graphicFrame>
-        <p:nvGraphicFramePr>
-          <p:cNvPr id="4" name="資料庫圖表 11"/>
-          <p:cNvGraphicFramePr>
-            <a:graphicFrameLocks noGrp="1"/>
-          </p:cNvGraphicFramePr>
-          <p:nvPr>
-            <p:ph idx="1"/>
-            <p:extLst>
-              <p:ext uri="{D42A27DB-BD31-4B8C-83A1-F6EECF244321}">
-                <p14:modId xmlns:p14="http://schemas.microsoft.com/office/powerpoint/2010/main" val="2582293158"/>
-              </p:ext>
-            </p:extLst>
-          </p:nvPr>
-        </p:nvGraphicFramePr>
-        <p:xfrm>
-          <a:off x="628650" y="365126"/>
-          <a:ext cx="7886700" cy="5811837"/>
-        </p:xfrm>
-        <a:graphic>
-          <a:graphicData uri="http://schemas.openxmlformats.org/drawingml/2006/diagram">
-            <dgm:relIds xmlns:dgm="http://schemas.openxmlformats.org/drawingml/2006/diagram" xmlns:r="http://schemas.openxmlformats.org/officeDocument/2006/relationships" r:dm="rId2" r:lo="rId3" r:qs="rId4" r:cs="rId5"/>
-          </a:graphicData>
-        </a:graphic>
-      </p:graphicFrame>
-    </p:spTree>
-    <p:extLst>
-      <p:ext uri="{BB962C8B-B14F-4D97-AF65-F5344CB8AC3E}">
-        <p14:creationId xmlns:p14="http://schemas.microsoft.com/office/powerpoint/2010/main" val="3296529199"/>
-      </p:ext>
-    </p:extLst>
-  </p:cSld>
-  <p:clrMapOvr>
-    <a:masterClrMapping/>
-  </p:clrMapOvr>
-</p:sld>
-</file>
-
-<file path=ppt/slides/slide14.xml><?xml version="1.0" encoding="utf-8"?>
-<p:sld xmlns:a="http://schemas.openxmlformats.org/drawingml/2006/main" xmlns:r="http://schemas.openxmlformats.org/officeDocument/2006/relationships" xmlns:p="http://schemas.openxmlformats.org/presentationml/2006/main">
-  <p:cSld>
-    <p:spTree>
-      <p:nvGrpSpPr>
-        <p:cNvPr id="1" name=""/>
-        <p:cNvGrpSpPr/>
-        <p:nvPr/>
-      </p:nvGrpSpPr>
-      <p:grpSpPr>
-        <a:xfrm>
-          <a:off x="0" y="0"/>
-          <a:ext cx="0" cy="0"/>
-          <a:chOff x="0" y="0"/>
-          <a:chExt cx="0" cy="0"/>
-        </a:xfrm>
-      </p:grpSpPr>
-      <p:sp>
-        <p:nvSpPr>
-          <p:cNvPr id="2" name="Title 1"/>
-          <p:cNvSpPr>
-            <a:spLocks noGrp="1"/>
-          </p:cNvSpPr>
-          <p:nvPr>
-            <p:ph type="title"/>
-          </p:nvPr>
-        </p:nvSpPr>
-        <p:spPr/>
-        <p:txBody>
-          <a:bodyPr/>
-          <a:lstStyle/>
-          <a:p>
-            <a:endParaRPr lang="en-GB"/>
-          </a:p>
-        </p:txBody>
-      </p:sp>
-      <p:graphicFrame>
-        <p:nvGraphicFramePr>
-          <p:cNvPr id="4" name="資料庫圖表 11"/>
-          <p:cNvGraphicFramePr>
-            <a:graphicFrameLocks noGrp="1"/>
-          </p:cNvGraphicFramePr>
-          <p:nvPr>
-            <p:ph idx="1"/>
-            <p:extLst>
-              <p:ext uri="{D42A27DB-BD31-4B8C-83A1-F6EECF244321}">
-                <p14:modId xmlns:p14="http://schemas.microsoft.com/office/powerpoint/2010/main" val="2047569850"/>
-              </p:ext>
-            </p:extLst>
-          </p:nvPr>
-        </p:nvGraphicFramePr>
-        <p:xfrm>
-          <a:off x="628650" y="365126"/>
-          <a:ext cx="7886700" cy="5811837"/>
-        </p:xfrm>
-        <a:graphic>
-          <a:graphicData uri="http://schemas.openxmlformats.org/drawingml/2006/diagram">
-            <dgm:relIds xmlns:dgm="http://schemas.openxmlformats.org/drawingml/2006/diagram" xmlns:r="http://schemas.openxmlformats.org/officeDocument/2006/relationships" r:dm="rId2" r:lo="rId3" r:qs="rId4" r:cs="rId5"/>
-          </a:graphicData>
-        </a:graphic>
-      </p:graphicFrame>
-    </p:spTree>
-    <p:extLst>
-      <p:ext uri="{BB962C8B-B14F-4D97-AF65-F5344CB8AC3E}">
-        <p14:creationId xmlns:p14="http://schemas.microsoft.com/office/powerpoint/2010/main" val="4209368434"/>
-      </p:ext>
-    </p:extLst>
-  </p:cSld>
-  <p:clrMapOvr>
-    <a:masterClrMapping/>
-  </p:clrMapOvr>
-</p:sld>
-</file>
-
-<file path=ppt/slides/slide15.xml><?xml version="1.0" encoding="utf-8"?>
+<file path=ppt/slides/slide16.xml><?xml version="1.0" encoding="utf-8"?>
 <p:sld xmlns:a="http://schemas.openxmlformats.org/drawingml/2006/main" xmlns:r="http://schemas.openxmlformats.org/officeDocument/2006/relationships" xmlns:p="http://schemas.openxmlformats.org/presentationml/2006/main">
   <p:cSld>
     <p:spTree>
@@ -18558,6 +18819,15 @@
           <a:p>
             <a:r>
               <a:rPr lang="en-GB" dirty="0" smtClean="0"/>
+              <a:t>Able to detect and handle conflicts between courses</a:t>
+            </a:r>
+          </a:p>
+          <a:p>
+            <a:endParaRPr lang="en-GB" dirty="0"/>
+          </a:p>
+          <a:p>
+            <a:r>
+              <a:rPr lang="en-GB" dirty="0" smtClean="0"/>
               <a:t>Able to handle lecture and tutorial section</a:t>
             </a:r>
           </a:p>
@@ -18568,6 +18838,15 @@
             <a:r>
               <a:rPr lang="en-GB" dirty="0" smtClean="0"/>
               <a:t>Able to arrange according to priority</a:t>
+            </a:r>
+          </a:p>
+          <a:p>
+            <a:endParaRPr lang="en-GB" dirty="0"/>
+          </a:p>
+          <a:p>
+            <a:r>
+              <a:rPr lang="en-GB" dirty="0" smtClean="0"/>
+              <a:t>Able core and non-core courses.</a:t>
             </a:r>
             <a:endParaRPr lang="en-GB" dirty="0"/>
           </a:p>
@@ -18587,6 +18866,91 @@
 </file>
 
 <file path=ppt/slides/slide6.xml><?xml version="1.0" encoding="utf-8"?>
+<p:sld xmlns:a="http://schemas.openxmlformats.org/drawingml/2006/main" xmlns:r="http://schemas.openxmlformats.org/officeDocument/2006/relationships" xmlns:p="http://schemas.openxmlformats.org/presentationml/2006/main">
+  <p:cSld>
+    <p:spTree>
+      <p:nvGrpSpPr>
+        <p:cNvPr id="1" name=""/>
+        <p:cNvGrpSpPr/>
+        <p:nvPr/>
+      </p:nvGrpSpPr>
+      <p:grpSpPr>
+        <a:xfrm>
+          <a:off x="0" y="0"/>
+          <a:ext cx="0" cy="0"/>
+          <a:chOff x="0" y="0"/>
+          <a:chExt cx="0" cy="0"/>
+        </a:xfrm>
+      </p:grpSpPr>
+      <p:sp>
+        <p:nvSpPr>
+          <p:cNvPr id="2" name="Title 1"/>
+          <p:cNvSpPr>
+            <a:spLocks noGrp="1"/>
+          </p:cNvSpPr>
+          <p:nvPr>
+            <p:ph type="title"/>
+          </p:nvPr>
+        </p:nvSpPr>
+        <p:spPr/>
+        <p:txBody>
+          <a:bodyPr/>
+          <a:lstStyle/>
+          <a:p>
+            <a:r>
+              <a:rPr lang="en-GB" dirty="0" smtClean="0"/>
+              <a:t>Class Scheduler – Use Case</a:t>
+            </a:r>
+            <a:endParaRPr lang="en-GB" dirty="0"/>
+          </a:p>
+        </p:txBody>
+      </p:sp>
+      <p:pic>
+        <p:nvPicPr>
+          <p:cNvPr id="4" name="Content Placeholder 3"/>
+          <p:cNvPicPr>
+            <a:picLocks noGrp="1"/>
+          </p:cNvPicPr>
+          <p:nvPr>
+            <p:ph idx="1"/>
+          </p:nvPr>
+        </p:nvPicPr>
+        <p:blipFill>
+          <a:blip r:embed="rId2">
+            <a:extLst>
+              <a:ext uri="{28A0092B-C50C-407E-A947-70E740481C1C}">
+                <a14:useLocalDpi xmlns:a14="http://schemas.microsoft.com/office/drawing/2010/main" val="0"/>
+              </a:ext>
+            </a:extLst>
+          </a:blip>
+          <a:stretch>
+            <a:fillRect/>
+          </a:stretch>
+        </p:blipFill>
+        <p:spPr>
+          <a:xfrm>
+            <a:off x="971550" y="1962944"/>
+            <a:ext cx="7200900" cy="4076700"/>
+          </a:xfrm>
+          <a:prstGeom prst="rect">
+            <a:avLst/>
+          </a:prstGeom>
+        </p:spPr>
+      </p:pic>
+    </p:spTree>
+    <p:extLst>
+      <p:ext uri="{BB962C8B-B14F-4D97-AF65-F5344CB8AC3E}">
+        <p14:creationId xmlns:p14="http://schemas.microsoft.com/office/powerpoint/2010/main" val="4127554537"/>
+      </p:ext>
+    </p:extLst>
+  </p:cSld>
+  <p:clrMapOvr>
+    <a:masterClrMapping/>
+  </p:clrMapOvr>
+</p:sld>
+</file>
+
+<file path=ppt/slides/slide7.xml><?xml version="1.0" encoding="utf-8"?>
 <p:sld xmlns:a="http://schemas.openxmlformats.org/drawingml/2006/main" xmlns:r="http://schemas.openxmlformats.org/officeDocument/2006/relationships" xmlns:p="http://schemas.openxmlformats.org/presentationml/2006/main">
   <p:cSld>
     <p:spTree>
@@ -18677,91 +19041,6 @@
     <p:extLst>
       <p:ext uri="{BB962C8B-B14F-4D97-AF65-F5344CB8AC3E}">
         <p14:creationId xmlns:p14="http://schemas.microsoft.com/office/powerpoint/2010/main" val="3352890646"/>
-      </p:ext>
-    </p:extLst>
-  </p:cSld>
-  <p:clrMapOvr>
-    <a:masterClrMapping/>
-  </p:clrMapOvr>
-</p:sld>
-</file>
-
-<file path=ppt/slides/slide7.xml><?xml version="1.0" encoding="utf-8"?>
-<p:sld xmlns:a="http://schemas.openxmlformats.org/drawingml/2006/main" xmlns:r="http://schemas.openxmlformats.org/officeDocument/2006/relationships" xmlns:p="http://schemas.openxmlformats.org/presentationml/2006/main">
-  <p:cSld>
-    <p:spTree>
-      <p:nvGrpSpPr>
-        <p:cNvPr id="1" name=""/>
-        <p:cNvGrpSpPr/>
-        <p:nvPr/>
-      </p:nvGrpSpPr>
-      <p:grpSpPr>
-        <a:xfrm>
-          <a:off x="0" y="0"/>
-          <a:ext cx="0" cy="0"/>
-          <a:chOff x="0" y="0"/>
-          <a:chExt cx="0" cy="0"/>
-        </a:xfrm>
-      </p:grpSpPr>
-      <p:sp>
-        <p:nvSpPr>
-          <p:cNvPr id="2" name="Title 1"/>
-          <p:cNvSpPr>
-            <a:spLocks noGrp="1"/>
-          </p:cNvSpPr>
-          <p:nvPr>
-            <p:ph type="title"/>
-          </p:nvPr>
-        </p:nvSpPr>
-        <p:spPr/>
-        <p:txBody>
-          <a:bodyPr/>
-          <a:lstStyle/>
-          <a:p>
-            <a:r>
-              <a:rPr lang="en-GB" dirty="0" smtClean="0"/>
-              <a:t>Class Scheduler – Use Case</a:t>
-            </a:r>
-            <a:endParaRPr lang="en-GB" dirty="0"/>
-          </a:p>
-        </p:txBody>
-      </p:sp>
-      <p:pic>
-        <p:nvPicPr>
-          <p:cNvPr id="4" name="Content Placeholder 3"/>
-          <p:cNvPicPr>
-            <a:picLocks noGrp="1"/>
-          </p:cNvPicPr>
-          <p:nvPr>
-            <p:ph idx="1"/>
-          </p:nvPr>
-        </p:nvPicPr>
-        <p:blipFill>
-          <a:blip r:embed="rId2">
-            <a:extLst>
-              <a:ext uri="{28A0092B-C50C-407E-A947-70E740481C1C}">
-                <a14:useLocalDpi xmlns:a14="http://schemas.microsoft.com/office/drawing/2010/main" val="0"/>
-              </a:ext>
-            </a:extLst>
-          </a:blip>
-          <a:stretch>
-            <a:fillRect/>
-          </a:stretch>
-        </p:blipFill>
-        <p:spPr>
-          <a:xfrm>
-            <a:off x="971550" y="1962944"/>
-            <a:ext cx="7200900" cy="4076700"/>
-          </a:xfrm>
-          <a:prstGeom prst="rect">
-            <a:avLst/>
-          </a:prstGeom>
-        </p:spPr>
-      </p:pic>
-    </p:spTree>
-    <p:extLst>
-      <p:ext uri="{BB962C8B-B14F-4D97-AF65-F5344CB8AC3E}">
-        <p14:creationId xmlns:p14="http://schemas.microsoft.com/office/powerpoint/2010/main" val="4127554537"/>
       </p:ext>
     </p:extLst>
   </p:cSld>
@@ -18996,61 +19275,39 @@
           <a:bodyPr/>
           <a:lstStyle/>
           <a:p>
-            <a:r>
-              <a:rPr lang="en-GB" dirty="0" smtClean="0"/>
-              <a:t>Class Scheduler - Environment</a:t>
-            </a:r>
-            <a:endParaRPr lang="en-GB" dirty="0"/>
+            <a:endParaRPr lang="en-GB"/>
           </a:p>
         </p:txBody>
       </p:sp>
-      <p:sp>
-        <p:nvSpPr>
-          <p:cNvPr id="4" name="Content Placeholder 3"/>
-          <p:cNvSpPr>
-            <a:spLocks noGrp="1"/>
-          </p:cNvSpPr>
+      <p:graphicFrame>
+        <p:nvGraphicFramePr>
+          <p:cNvPr id="4" name="資料庫圖表 11"/>
+          <p:cNvGraphicFramePr>
+            <a:graphicFrameLocks noGrp="1"/>
+          </p:cNvGraphicFramePr>
           <p:nvPr>
             <p:ph idx="1"/>
+            <p:extLst>
+              <p:ext uri="{D42A27DB-BD31-4B8C-83A1-F6EECF244321}">
+                <p14:modId xmlns:p14="http://schemas.microsoft.com/office/powerpoint/2010/main" val="2582293158"/>
+              </p:ext>
+            </p:extLst>
           </p:nvPr>
-        </p:nvSpPr>
-        <p:spPr/>
-        <p:txBody>
-          <a:bodyPr/>
-          <a:lstStyle/>
-          <a:p>
-            <a:endParaRPr lang="en-GB" dirty="0"/>
-          </a:p>
-        </p:txBody>
-      </p:sp>
-      <p:pic>
-        <p:nvPicPr>
-          <p:cNvPr id="3" name="Picture 2"/>
-          <p:cNvPicPr>
-            <a:picLocks noChangeAspect="1"/>
-          </p:cNvPicPr>
-          <p:nvPr/>
-        </p:nvPicPr>
-        <p:blipFill>
-          <a:blip r:embed="rId2"/>
-          <a:stretch>
-            <a:fillRect/>
-          </a:stretch>
-        </p:blipFill>
-        <p:spPr>
-          <a:xfrm>
-            <a:off x="628651" y="1825625"/>
-            <a:ext cx="7911728" cy="4448175"/>
-          </a:xfrm>
-          <a:prstGeom prst="rect">
-            <a:avLst/>
-          </a:prstGeom>
-        </p:spPr>
-      </p:pic>
+        </p:nvGraphicFramePr>
+        <p:xfrm>
+          <a:off x="628650" y="365126"/>
+          <a:ext cx="7886700" cy="5811837"/>
+        </p:xfrm>
+        <a:graphic>
+          <a:graphicData uri="http://schemas.openxmlformats.org/drawingml/2006/diagram">
+            <dgm:relIds xmlns:dgm="http://schemas.openxmlformats.org/drawingml/2006/diagram" xmlns:r="http://schemas.openxmlformats.org/officeDocument/2006/relationships" r:dm="rId2" r:lo="rId3" r:qs="rId4" r:cs="rId5"/>
+          </a:graphicData>
+        </a:graphic>
+      </p:graphicFrame>
     </p:spTree>
     <p:extLst>
       <p:ext uri="{BB962C8B-B14F-4D97-AF65-F5344CB8AC3E}">
-        <p14:creationId xmlns:p14="http://schemas.microsoft.com/office/powerpoint/2010/main" val="3237865628"/>
+        <p14:creationId xmlns:p14="http://schemas.microsoft.com/office/powerpoint/2010/main" val="3296529199"/>
       </p:ext>
     </p:extLst>
   </p:cSld>

--- a/PM docs/Presentation.pptx
+++ b/PM docs/Presentation.pptx
@@ -12,15 +12,17 @@
     <p:sldId id="258" r:id="rId6"/>
     <p:sldId id="271" r:id="rId7"/>
     <p:sldId id="259" r:id="rId8"/>
-    <p:sldId id="263" r:id="rId9"/>
-    <p:sldId id="267" r:id="rId10"/>
-    <p:sldId id="268" r:id="rId11"/>
-    <p:sldId id="272" r:id="rId12"/>
-    <p:sldId id="260" r:id="rId13"/>
-    <p:sldId id="262" r:id="rId14"/>
-    <p:sldId id="261" r:id="rId15"/>
-    <p:sldId id="264" r:id="rId16"/>
-    <p:sldId id="266" r:id="rId17"/>
+    <p:sldId id="274" r:id="rId9"/>
+    <p:sldId id="263" r:id="rId10"/>
+    <p:sldId id="267" r:id="rId11"/>
+    <p:sldId id="268" r:id="rId12"/>
+    <p:sldId id="272" r:id="rId13"/>
+    <p:sldId id="260" r:id="rId14"/>
+    <p:sldId id="262" r:id="rId15"/>
+    <p:sldId id="261" r:id="rId16"/>
+    <p:sldId id="264" r:id="rId17"/>
+    <p:sldId id="266" r:id="rId18"/>
+    <p:sldId id="273" r:id="rId19"/>
   </p:sldIdLst>
   <p:sldSz cx="9144000" cy="6858000" type="screen4x3"/>
   <p:notesSz cx="6858000" cy="9144000"/>
@@ -17770,6 +17772,80 @@
             <p:ph idx="1"/>
             <p:extLst>
               <p:ext uri="{D42A27DB-BD31-4B8C-83A1-F6EECF244321}">
+                <p14:modId xmlns:p14="http://schemas.microsoft.com/office/powerpoint/2010/main" val="2582293158"/>
+              </p:ext>
+            </p:extLst>
+          </p:nvPr>
+        </p:nvGraphicFramePr>
+        <p:xfrm>
+          <a:off x="628650" y="365126"/>
+          <a:ext cx="7886700" cy="5811837"/>
+        </p:xfrm>
+        <a:graphic>
+          <a:graphicData uri="http://schemas.openxmlformats.org/drawingml/2006/diagram">
+            <dgm:relIds xmlns:dgm="http://schemas.openxmlformats.org/drawingml/2006/diagram" xmlns:r="http://schemas.openxmlformats.org/officeDocument/2006/relationships" r:dm="rId2" r:lo="rId3" r:qs="rId4" r:cs="rId5"/>
+          </a:graphicData>
+        </a:graphic>
+      </p:graphicFrame>
+    </p:spTree>
+    <p:extLst>
+      <p:ext uri="{BB962C8B-B14F-4D97-AF65-F5344CB8AC3E}">
+        <p14:creationId xmlns:p14="http://schemas.microsoft.com/office/powerpoint/2010/main" val="3296529199"/>
+      </p:ext>
+    </p:extLst>
+  </p:cSld>
+  <p:clrMapOvr>
+    <a:masterClrMapping/>
+  </p:clrMapOvr>
+</p:sld>
+</file>
+
+<file path=ppt/slides/slide11.xml><?xml version="1.0" encoding="utf-8"?>
+<p:sld xmlns:a="http://schemas.openxmlformats.org/drawingml/2006/main" xmlns:r="http://schemas.openxmlformats.org/officeDocument/2006/relationships" xmlns:p="http://schemas.openxmlformats.org/presentationml/2006/main">
+  <p:cSld>
+    <p:spTree>
+      <p:nvGrpSpPr>
+        <p:cNvPr id="1" name=""/>
+        <p:cNvGrpSpPr/>
+        <p:nvPr/>
+      </p:nvGrpSpPr>
+      <p:grpSpPr>
+        <a:xfrm>
+          <a:off x="0" y="0"/>
+          <a:ext cx="0" cy="0"/>
+          <a:chOff x="0" y="0"/>
+          <a:chExt cx="0" cy="0"/>
+        </a:xfrm>
+      </p:grpSpPr>
+      <p:sp>
+        <p:nvSpPr>
+          <p:cNvPr id="2" name="Title 1"/>
+          <p:cNvSpPr>
+            <a:spLocks noGrp="1"/>
+          </p:cNvSpPr>
+          <p:nvPr>
+            <p:ph type="title"/>
+          </p:nvPr>
+        </p:nvSpPr>
+        <p:spPr/>
+        <p:txBody>
+          <a:bodyPr/>
+          <a:lstStyle/>
+          <a:p>
+            <a:endParaRPr lang="en-GB"/>
+          </a:p>
+        </p:txBody>
+      </p:sp>
+      <p:graphicFrame>
+        <p:nvGraphicFramePr>
+          <p:cNvPr id="4" name="資料庫圖表 11"/>
+          <p:cNvGraphicFramePr>
+            <a:graphicFrameLocks noGrp="1"/>
+          </p:cNvGraphicFramePr>
+          <p:nvPr>
+            <p:ph idx="1"/>
+            <p:extLst>
+              <p:ext uri="{D42A27DB-BD31-4B8C-83A1-F6EECF244321}">
                 <p14:modId xmlns:p14="http://schemas.microsoft.com/office/powerpoint/2010/main" val="2047569850"/>
               </p:ext>
             </p:extLst>
@@ -17798,7 +17874,7 @@
 </p:sld>
 </file>
 
-<file path=ppt/slides/slide11.xml><?xml version="1.0" encoding="utf-8"?>
+<file path=ppt/slides/slide12.xml><?xml version="1.0" encoding="utf-8"?>
 <p:sld xmlns:a="http://schemas.openxmlformats.org/drawingml/2006/main" xmlns:r="http://schemas.openxmlformats.org/officeDocument/2006/relationships" xmlns:p="http://schemas.openxmlformats.org/presentationml/2006/main">
   <p:cSld>
     <p:spTree>
@@ -17848,7 +17924,7 @@
             <p:ph idx="1"/>
             <p:extLst>
               <p:ext uri="{D42A27DB-BD31-4B8C-83A1-F6EECF244321}">
-                <p14:modId xmlns:p14="http://schemas.microsoft.com/office/powerpoint/2010/main" val="922293617"/>
+                <p14:modId xmlns:p14="http://schemas.microsoft.com/office/powerpoint/2010/main" val="1712621354"/>
               </p:ext>
             </p:extLst>
           </p:nvPr>
@@ -18036,7 +18112,7 @@
 </p:sld>
 </file>
 
-<file path=ppt/slides/slide12.xml><?xml version="1.0" encoding="utf-8"?>
+<file path=ppt/slides/slide13.xml><?xml version="1.0" encoding="utf-8"?>
 <p:sld xmlns:a="http://schemas.openxmlformats.org/drawingml/2006/main" xmlns:r="http://schemas.openxmlformats.org/officeDocument/2006/relationships" xmlns:p="http://schemas.openxmlformats.org/presentationml/2006/main">
   <p:cSld>
     <p:spTree>
@@ -18132,7 +18208,7 @@
 </p:sld>
 </file>
 
-<file path=ppt/slides/slide13.xml><?xml version="1.0" encoding="utf-8"?>
+<file path=ppt/slides/slide14.xml><?xml version="1.0" encoding="utf-8"?>
 <p:sld xmlns:a="http://schemas.openxmlformats.org/drawingml/2006/main" xmlns:r="http://schemas.openxmlformats.org/officeDocument/2006/relationships" xmlns:p="http://schemas.openxmlformats.org/presentationml/2006/main">
   <p:cSld>
     <p:spTree>
@@ -18227,7 +18303,7 @@
 </p:sld>
 </file>
 
-<file path=ppt/slides/slide14.xml><?xml version="1.0" encoding="utf-8"?>
+<file path=ppt/slides/slide15.xml><?xml version="1.0" encoding="utf-8"?>
 <p:sld xmlns:a="http://schemas.openxmlformats.org/drawingml/2006/main" xmlns:r="http://schemas.openxmlformats.org/officeDocument/2006/relationships" xmlns:p="http://schemas.openxmlformats.org/presentationml/2006/main">
   <p:cSld>
     <p:spTree>
@@ -18322,7 +18398,7 @@
 </p:sld>
 </file>
 
-<file path=ppt/slides/slide15.xml><?xml version="1.0" encoding="utf-8"?>
+<file path=ppt/slides/slide16.xml><?xml version="1.0" encoding="utf-8"?>
 <p:sld xmlns:a="http://schemas.openxmlformats.org/drawingml/2006/main" xmlns:r="http://schemas.openxmlformats.org/officeDocument/2006/relationships" xmlns:p="http://schemas.openxmlformats.org/presentationml/2006/main">
   <p:cSld>
     <p:spTree>
@@ -18417,7 +18493,7 @@
 </p:sld>
 </file>
 
-<file path=ppt/slides/slide16.xml><?xml version="1.0" encoding="utf-8"?>
+<file path=ppt/slides/slide17.xml><?xml version="1.0" encoding="utf-8"?>
 <p:sld xmlns:a="http://schemas.openxmlformats.org/drawingml/2006/main" xmlns:r="http://schemas.openxmlformats.org/officeDocument/2006/relationships" xmlns:p="http://schemas.openxmlformats.org/presentationml/2006/main">
   <p:cSld>
     <p:spTree>
@@ -18502,6 +18578,735 @@
     <p:extLst>
       <p:ext uri="{BB962C8B-B14F-4D97-AF65-F5344CB8AC3E}">
         <p14:creationId xmlns:p14="http://schemas.microsoft.com/office/powerpoint/2010/main" val="762492309"/>
+      </p:ext>
+    </p:extLst>
+  </p:cSld>
+  <p:clrMapOvr>
+    <a:masterClrMapping/>
+  </p:clrMapOvr>
+</p:sld>
+</file>
+
+<file path=ppt/slides/slide18.xml><?xml version="1.0" encoding="utf-8"?>
+<p:sld xmlns:a="http://schemas.openxmlformats.org/drawingml/2006/main" xmlns:r="http://schemas.openxmlformats.org/officeDocument/2006/relationships" xmlns:p="http://schemas.openxmlformats.org/presentationml/2006/main">
+  <p:cSld>
+    <p:spTree>
+      <p:nvGrpSpPr>
+        <p:cNvPr id="1" name=""/>
+        <p:cNvGrpSpPr/>
+        <p:nvPr/>
+      </p:nvGrpSpPr>
+      <p:grpSpPr>
+        <a:xfrm>
+          <a:off x="0" y="0"/>
+          <a:ext cx="0" cy="0"/>
+          <a:chOff x="0" y="0"/>
+          <a:chExt cx="0" cy="0"/>
+        </a:xfrm>
+      </p:grpSpPr>
+      <p:sp>
+        <p:nvSpPr>
+          <p:cNvPr id="2" name="Title 1"/>
+          <p:cNvSpPr>
+            <a:spLocks noGrp="1"/>
+          </p:cNvSpPr>
+          <p:nvPr>
+            <p:ph type="title"/>
+          </p:nvPr>
+        </p:nvSpPr>
+        <p:spPr/>
+        <p:txBody>
+          <a:bodyPr/>
+          <a:lstStyle/>
+          <a:p>
+            <a:r>
+              <a:rPr lang="en-GB" dirty="0" smtClean="0"/>
+              <a:t>Task Distribution</a:t>
+            </a:r>
+            <a:endParaRPr lang="en-GB" dirty="0"/>
+          </a:p>
+        </p:txBody>
+      </p:sp>
+      <p:graphicFrame>
+        <p:nvGraphicFramePr>
+          <p:cNvPr id="4" name="Content Placeholder 3"/>
+          <p:cNvGraphicFramePr>
+            <a:graphicFrameLocks noGrp="1"/>
+          </p:cNvGraphicFramePr>
+          <p:nvPr>
+            <p:ph idx="1"/>
+            <p:extLst>
+              <p:ext uri="{D42A27DB-BD31-4B8C-83A1-F6EECF244321}">
+                <p14:modId xmlns:p14="http://schemas.microsoft.com/office/powerpoint/2010/main" val="2717713645"/>
+              </p:ext>
+            </p:extLst>
+          </p:nvPr>
+        </p:nvGraphicFramePr>
+        <p:xfrm>
+          <a:off x="628650" y="1825625"/>
+          <a:ext cx="7886700" cy="2595880"/>
+        </p:xfrm>
+        <a:graphic>
+          <a:graphicData uri="http://schemas.openxmlformats.org/drawingml/2006/table">
+            <a:tbl>
+              <a:tblPr firstRow="1" bandRow="1">
+                <a:tableStyleId>{93296810-A885-4BE3-A3E7-6D5BEEA58F35}</a:tableStyleId>
+              </a:tblPr>
+              <a:tblGrid>
+                <a:gridCol w="2800350"/>
+                <a:gridCol w="1498600"/>
+                <a:gridCol w="3587750"/>
+              </a:tblGrid>
+              <a:tr h="370840">
+                <a:tc>
+                  <a:txBody>
+                    <a:bodyPr/>
+                    <a:lstStyle/>
+                    <a:p>
+                      <a:pPr algn="ctr"/>
+                      <a:r>
+                        <a:rPr lang="en-GB" dirty="0" smtClean="0"/>
+                        <a:t>Name</a:t>
+                      </a:r>
+                      <a:endParaRPr lang="en-GB" dirty="0"/>
+                    </a:p>
+                  </a:txBody>
+                  <a:tcPr/>
+                </a:tc>
+                <a:tc>
+                  <a:txBody>
+                    <a:bodyPr/>
+                    <a:lstStyle/>
+                    <a:p>
+                      <a:pPr algn="ctr"/>
+                      <a:r>
+                        <a:rPr lang="en-GB" dirty="0" smtClean="0"/>
+                        <a:t>SID</a:t>
+                      </a:r>
+                      <a:endParaRPr lang="en-GB" dirty="0"/>
+                    </a:p>
+                  </a:txBody>
+                  <a:tcPr/>
+                </a:tc>
+                <a:tc>
+                  <a:txBody>
+                    <a:bodyPr/>
+                    <a:lstStyle/>
+                    <a:p>
+                      <a:pPr algn="ctr"/>
+                      <a:r>
+                        <a:rPr lang="en-GB" dirty="0" smtClean="0"/>
+                        <a:t>Role</a:t>
+                      </a:r>
+                      <a:endParaRPr lang="en-GB" dirty="0"/>
+                    </a:p>
+                  </a:txBody>
+                  <a:tcPr/>
+                </a:tc>
+              </a:tr>
+              <a:tr h="370840">
+                <a:tc>
+                  <a:txBody>
+                    <a:bodyPr/>
+                    <a:lstStyle/>
+                    <a:p>
+                      <a:pPr marL="0" algn="l" defTabSz="914400" rtl="0" eaLnBrk="1" latinLnBrk="0" hangingPunct="1">
+                        <a:lnSpc>
+                          <a:spcPct val="107000"/>
+                        </a:lnSpc>
+                        <a:spcAft>
+                          <a:spcPts val="0"/>
+                        </a:spcAft>
+                      </a:pPr>
+                      <a:r>
+                        <a:rPr lang="en-GB" sz="2000" kern="1200" dirty="0"/>
+                        <a:t>CHAN </a:t>
+                      </a:r>
+                      <a:r>
+                        <a:rPr lang="en-GB" sz="2000" kern="1200" dirty="0" err="1"/>
+                        <a:t>Ho</a:t>
+                      </a:r>
+                      <a:r>
+                        <a:rPr lang="en-GB" sz="2000" kern="1200" dirty="0"/>
+                        <a:t> </a:t>
+                      </a:r>
+                      <a:r>
+                        <a:rPr lang="en-GB" sz="2000" kern="1200" dirty="0" smtClean="0"/>
+                        <a:t>Man</a:t>
+                      </a:r>
+                      <a:endParaRPr lang="en-GB" sz="2000" kern="1200" dirty="0">
+                        <a:solidFill>
+                          <a:schemeClr val="dk1"/>
+                        </a:solidFill>
+                        <a:latin typeface="+mn-lt"/>
+                        <a:ea typeface="+mn-ea"/>
+                        <a:cs typeface="+mn-cs"/>
+                      </a:endParaRPr>
+                    </a:p>
+                  </a:txBody>
+                  <a:tcPr marL="68580" marR="68580" marT="0" marB="0"/>
+                </a:tc>
+                <a:tc>
+                  <a:txBody>
+                    <a:bodyPr/>
+                    <a:lstStyle/>
+                    <a:p>
+                      <a:pPr marL="0" algn="l" defTabSz="914400" rtl="0" eaLnBrk="1" latinLnBrk="0" hangingPunct="1">
+                        <a:lnSpc>
+                          <a:spcPct val="107000"/>
+                        </a:lnSpc>
+                        <a:spcAft>
+                          <a:spcPts val="0"/>
+                        </a:spcAft>
+                      </a:pPr>
+                      <a:r>
+                        <a:rPr lang="en-GB" sz="2000" kern="1200" dirty="0" smtClean="0"/>
+                        <a:t>53078369</a:t>
+                      </a:r>
+                      <a:endParaRPr lang="en-GB" sz="2000" kern="1200" dirty="0">
+                        <a:solidFill>
+                          <a:schemeClr val="dk1"/>
+                        </a:solidFill>
+                        <a:latin typeface="+mn-lt"/>
+                        <a:ea typeface="+mn-ea"/>
+                        <a:cs typeface="+mn-cs"/>
+                      </a:endParaRPr>
+                    </a:p>
+                  </a:txBody>
+                  <a:tcPr marL="68580" marR="68580" marT="0" marB="0"/>
+                </a:tc>
+                <a:tc>
+                  <a:txBody>
+                    <a:bodyPr/>
+                    <a:lstStyle/>
+                    <a:p>
+                      <a:pPr marL="0" algn="l" defTabSz="914400" rtl="0" eaLnBrk="1" latinLnBrk="0" hangingPunct="1">
+                        <a:lnSpc>
+                          <a:spcPct val="107000"/>
+                        </a:lnSpc>
+                        <a:spcAft>
+                          <a:spcPts val="0"/>
+                        </a:spcAft>
+                      </a:pPr>
+                      <a:r>
+                        <a:rPr lang="en-GB" sz="2000" kern="1200" dirty="0"/>
+                        <a:t>Project </a:t>
+                      </a:r>
+                      <a:r>
+                        <a:rPr lang="en-GB" sz="2000" kern="1200" dirty="0" smtClean="0"/>
+                        <a:t>Manager</a:t>
+                      </a:r>
+                      <a:endParaRPr lang="en-GB" sz="2000" kern="1200" dirty="0">
+                        <a:solidFill>
+                          <a:schemeClr val="dk1"/>
+                        </a:solidFill>
+                        <a:latin typeface="+mn-lt"/>
+                        <a:ea typeface="+mn-ea"/>
+                        <a:cs typeface="+mn-cs"/>
+                      </a:endParaRPr>
+                    </a:p>
+                  </a:txBody>
+                  <a:tcPr marL="68580" marR="68580" marT="0" marB="0"/>
+                </a:tc>
+              </a:tr>
+              <a:tr h="370840">
+                <a:tc>
+                  <a:txBody>
+                    <a:bodyPr/>
+                    <a:lstStyle/>
+                    <a:p>
+                      <a:pPr marL="0" algn="l" defTabSz="914400" rtl="0" eaLnBrk="1" latinLnBrk="0" hangingPunct="1">
+                        <a:lnSpc>
+                          <a:spcPct val="107000"/>
+                        </a:lnSpc>
+                        <a:spcAft>
+                          <a:spcPts val="0"/>
+                        </a:spcAft>
+                      </a:pPr>
+                      <a:r>
+                        <a:rPr lang="en-GB" sz="2000" kern="1200" dirty="0"/>
+                        <a:t>CHEUK </a:t>
+                      </a:r>
+                      <a:r>
+                        <a:rPr lang="en-GB" sz="2000" kern="1200" dirty="0" err="1" smtClean="0"/>
+                        <a:t>Yik</a:t>
+                      </a:r>
+                      <a:r>
+                        <a:rPr lang="en-GB" sz="2000" kern="1200" baseline="0" dirty="0" smtClean="0"/>
+                        <a:t> Sum</a:t>
+                      </a:r>
+                      <a:endParaRPr lang="en-GB" sz="2000" kern="1200" dirty="0">
+                        <a:solidFill>
+                          <a:schemeClr val="dk1"/>
+                        </a:solidFill>
+                        <a:latin typeface="+mn-lt"/>
+                        <a:ea typeface="+mn-ea"/>
+                        <a:cs typeface="+mn-cs"/>
+                      </a:endParaRPr>
+                    </a:p>
+                  </a:txBody>
+                  <a:tcPr marL="68580" marR="68580" marT="0" marB="0"/>
+                </a:tc>
+                <a:tc>
+                  <a:txBody>
+                    <a:bodyPr/>
+                    <a:lstStyle/>
+                    <a:p>
+                      <a:pPr marL="0" algn="l" defTabSz="914400" rtl="0" eaLnBrk="1" latinLnBrk="0" hangingPunct="1">
+                        <a:lnSpc>
+                          <a:spcPct val="107000"/>
+                        </a:lnSpc>
+                        <a:spcAft>
+                          <a:spcPts val="0"/>
+                        </a:spcAft>
+                      </a:pPr>
+                      <a:r>
+                        <a:rPr lang="en-GB" sz="2000" kern="1200" dirty="0" smtClean="0"/>
+                        <a:t>53012319</a:t>
+                      </a:r>
+                      <a:endParaRPr lang="en-GB" sz="2000" kern="1200" dirty="0">
+                        <a:solidFill>
+                          <a:schemeClr val="dk1"/>
+                        </a:solidFill>
+                        <a:latin typeface="+mn-lt"/>
+                        <a:ea typeface="+mn-ea"/>
+                        <a:cs typeface="+mn-cs"/>
+                      </a:endParaRPr>
+                    </a:p>
+                  </a:txBody>
+                  <a:tcPr marL="68580" marR="68580" marT="0" marB="0"/>
+                </a:tc>
+                <a:tc>
+                  <a:txBody>
+                    <a:bodyPr/>
+                    <a:lstStyle/>
+                    <a:p>
+                      <a:pPr marL="0" algn="l" defTabSz="914400" rtl="0" eaLnBrk="1" latinLnBrk="0" hangingPunct="1">
+                        <a:lnSpc>
+                          <a:spcPct val="107000"/>
+                        </a:lnSpc>
+                        <a:spcAft>
+                          <a:spcPts val="0"/>
+                        </a:spcAft>
+                      </a:pPr>
+                      <a:r>
+                        <a:rPr lang="en-GB" sz="2000" kern="1200" dirty="0"/>
+                        <a:t>Assistant Project Manager</a:t>
+                      </a:r>
+                      <a:endParaRPr lang="en-GB" sz="2000" kern="1200" dirty="0">
+                        <a:solidFill>
+                          <a:schemeClr val="dk1"/>
+                        </a:solidFill>
+                        <a:latin typeface="+mn-lt"/>
+                        <a:ea typeface="+mn-ea"/>
+                        <a:cs typeface="+mn-cs"/>
+                      </a:endParaRPr>
+                    </a:p>
+                  </a:txBody>
+                  <a:tcPr marL="68580" marR="68580" marT="0" marB="0"/>
+                </a:tc>
+              </a:tr>
+              <a:tr h="370840">
+                <a:tc>
+                  <a:txBody>
+                    <a:bodyPr/>
+                    <a:lstStyle/>
+                    <a:p>
+                      <a:pPr marL="0" algn="l" defTabSz="914400" rtl="0" eaLnBrk="1" latinLnBrk="0" hangingPunct="1">
+                        <a:lnSpc>
+                          <a:spcPct val="107000"/>
+                        </a:lnSpc>
+                        <a:spcAft>
+                          <a:spcPts val="0"/>
+                        </a:spcAft>
+                      </a:pPr>
+                      <a:r>
+                        <a:rPr lang="en-GB" sz="2000" kern="1200" dirty="0"/>
+                        <a:t>CHAN </a:t>
+                      </a:r>
+                      <a:r>
+                        <a:rPr lang="en-GB" sz="2000" kern="1200" dirty="0" err="1"/>
+                        <a:t>Ho</a:t>
+                      </a:r>
+                      <a:r>
+                        <a:rPr lang="en-GB" sz="2000" kern="1200" dirty="0"/>
+                        <a:t> </a:t>
+                      </a:r>
+                      <a:r>
+                        <a:rPr lang="en-GB" sz="2000" kern="1200" dirty="0" smtClean="0"/>
+                        <a:t>Man</a:t>
+                      </a:r>
+                      <a:endParaRPr lang="en-GB" sz="2000" kern="1200" dirty="0">
+                        <a:solidFill>
+                          <a:schemeClr val="dk1"/>
+                        </a:solidFill>
+                        <a:latin typeface="+mn-lt"/>
+                        <a:ea typeface="+mn-ea"/>
+                        <a:cs typeface="+mn-cs"/>
+                      </a:endParaRPr>
+                    </a:p>
+                  </a:txBody>
+                  <a:tcPr marL="68580" marR="68580" marT="0" marB="0"/>
+                </a:tc>
+                <a:tc>
+                  <a:txBody>
+                    <a:bodyPr/>
+                    <a:lstStyle/>
+                    <a:p>
+                      <a:pPr marL="0" algn="l" defTabSz="914400" rtl="0" eaLnBrk="1" latinLnBrk="0" hangingPunct="1">
+                        <a:lnSpc>
+                          <a:spcPct val="107000"/>
+                        </a:lnSpc>
+                        <a:spcAft>
+                          <a:spcPts val="0"/>
+                        </a:spcAft>
+                      </a:pPr>
+                      <a:r>
+                        <a:rPr lang="en-GB" sz="2000" kern="1200" dirty="0" smtClean="0"/>
+                        <a:t>53091240</a:t>
+                      </a:r>
+                      <a:endParaRPr lang="en-GB" sz="2000" kern="1200" dirty="0">
+                        <a:solidFill>
+                          <a:schemeClr val="dk1"/>
+                        </a:solidFill>
+                        <a:latin typeface="+mn-lt"/>
+                        <a:ea typeface="+mn-ea"/>
+                        <a:cs typeface="+mn-cs"/>
+                      </a:endParaRPr>
+                    </a:p>
+                  </a:txBody>
+                  <a:tcPr marL="68580" marR="68580" marT="0" marB="0"/>
+                </a:tc>
+                <a:tc>
+                  <a:txBody>
+                    <a:bodyPr/>
+                    <a:lstStyle/>
+                    <a:p>
+                      <a:pPr marL="0" algn="l" defTabSz="914400" rtl="0" eaLnBrk="1" latinLnBrk="0" hangingPunct="1">
+                        <a:lnSpc>
+                          <a:spcPct val="107000"/>
+                        </a:lnSpc>
+                        <a:spcAft>
+                          <a:spcPts val="0"/>
+                        </a:spcAft>
+                      </a:pPr>
+                      <a:r>
+                        <a:rPr lang="en-GB" sz="2000" kern="1200" dirty="0"/>
+                        <a:t>Scrum Master</a:t>
+                      </a:r>
+                      <a:endParaRPr lang="en-GB" sz="2000" kern="1200" dirty="0">
+                        <a:solidFill>
+                          <a:schemeClr val="dk1"/>
+                        </a:solidFill>
+                        <a:latin typeface="+mn-lt"/>
+                        <a:ea typeface="+mn-ea"/>
+                        <a:cs typeface="+mn-cs"/>
+                      </a:endParaRPr>
+                    </a:p>
+                  </a:txBody>
+                  <a:tcPr marL="68580" marR="68580" marT="0" marB="0"/>
+                </a:tc>
+              </a:tr>
+              <a:tr h="370840">
+                <a:tc>
+                  <a:txBody>
+                    <a:bodyPr/>
+                    <a:lstStyle/>
+                    <a:p>
+                      <a:pPr marL="0" algn="l" defTabSz="914400" rtl="0" eaLnBrk="1" latinLnBrk="0" hangingPunct="1">
+                        <a:lnSpc>
+                          <a:spcPct val="107000"/>
+                        </a:lnSpc>
+                        <a:spcAft>
+                          <a:spcPts val="0"/>
+                        </a:spcAft>
+                      </a:pPr>
+                      <a:r>
+                        <a:rPr lang="en-GB" sz="2000" kern="1200" dirty="0"/>
+                        <a:t>LEE Man </a:t>
+                      </a:r>
+                      <a:r>
+                        <a:rPr lang="en-GB" sz="2000" kern="1200" dirty="0" smtClean="0"/>
+                        <a:t>To</a:t>
+                      </a:r>
+                      <a:endParaRPr lang="en-GB" sz="2000" kern="1200" dirty="0">
+                        <a:solidFill>
+                          <a:schemeClr val="dk1"/>
+                        </a:solidFill>
+                        <a:latin typeface="+mn-lt"/>
+                        <a:ea typeface="+mn-ea"/>
+                        <a:cs typeface="+mn-cs"/>
+                      </a:endParaRPr>
+                    </a:p>
+                  </a:txBody>
+                  <a:tcPr marL="68580" marR="68580" marT="0" marB="0"/>
+                </a:tc>
+                <a:tc>
+                  <a:txBody>
+                    <a:bodyPr/>
+                    <a:lstStyle/>
+                    <a:p>
+                      <a:pPr marL="0" algn="l" defTabSz="914400" rtl="0" eaLnBrk="1" latinLnBrk="0" hangingPunct="1">
+                        <a:lnSpc>
+                          <a:spcPct val="107000"/>
+                        </a:lnSpc>
+                        <a:spcAft>
+                          <a:spcPts val="0"/>
+                        </a:spcAft>
+                      </a:pPr>
+                      <a:r>
+                        <a:rPr lang="en-GB" sz="2000" kern="1200" dirty="0" smtClean="0"/>
+                        <a:t>53075299</a:t>
+                      </a:r>
+                      <a:endParaRPr lang="en-GB" sz="2000" kern="1200" dirty="0">
+                        <a:solidFill>
+                          <a:schemeClr val="dk1"/>
+                        </a:solidFill>
+                        <a:latin typeface="+mn-lt"/>
+                        <a:ea typeface="+mn-ea"/>
+                        <a:cs typeface="+mn-cs"/>
+                      </a:endParaRPr>
+                    </a:p>
+                  </a:txBody>
+                  <a:tcPr marL="68580" marR="68580" marT="0" marB="0"/>
+                </a:tc>
+                <a:tc>
+                  <a:txBody>
+                    <a:bodyPr/>
+                    <a:lstStyle/>
+                    <a:p>
+                      <a:pPr marL="0" algn="l" defTabSz="914400" rtl="0" eaLnBrk="1" latinLnBrk="0" hangingPunct="1">
+                        <a:lnSpc>
+                          <a:spcPct val="107000"/>
+                        </a:lnSpc>
+                        <a:spcAft>
+                          <a:spcPts val="0"/>
+                        </a:spcAft>
+                      </a:pPr>
+                      <a:r>
+                        <a:rPr lang="en-GB" sz="2000" kern="1200" dirty="0"/>
+                        <a:t>Pair Programmer</a:t>
+                      </a:r>
+                      <a:endParaRPr lang="en-GB" sz="2000" kern="1200" dirty="0">
+                        <a:solidFill>
+                          <a:schemeClr val="dk1"/>
+                        </a:solidFill>
+                        <a:latin typeface="+mn-lt"/>
+                        <a:ea typeface="+mn-ea"/>
+                        <a:cs typeface="+mn-cs"/>
+                      </a:endParaRPr>
+                    </a:p>
+                  </a:txBody>
+                  <a:tcPr marL="68580" marR="68580" marT="0" marB="0"/>
+                </a:tc>
+              </a:tr>
+              <a:tr h="370840">
+                <a:tc>
+                  <a:txBody>
+                    <a:bodyPr/>
+                    <a:lstStyle/>
+                    <a:p>
+                      <a:pPr marL="0" algn="l" defTabSz="914400" rtl="0" eaLnBrk="1" latinLnBrk="0" hangingPunct="1">
+                        <a:lnSpc>
+                          <a:spcPct val="107000"/>
+                        </a:lnSpc>
+                        <a:spcAft>
+                          <a:spcPts val="0"/>
+                        </a:spcAft>
+                      </a:pPr>
+                      <a:r>
+                        <a:rPr lang="en-GB" sz="2000" kern="1200" dirty="0"/>
+                        <a:t>HO Sui </a:t>
+                      </a:r>
+                      <a:r>
+                        <a:rPr lang="en-GB" sz="2000" kern="1200" dirty="0" smtClean="0"/>
+                        <a:t>Cheong</a:t>
+                      </a:r>
+                      <a:r>
+                        <a:rPr lang="en-GB" sz="2000" kern="1200" baseline="0" dirty="0" smtClean="0"/>
+                        <a:t> Jonathan</a:t>
+                      </a:r>
+                      <a:endParaRPr lang="en-GB" sz="2000" kern="1200" dirty="0">
+                        <a:solidFill>
+                          <a:schemeClr val="dk1"/>
+                        </a:solidFill>
+                        <a:latin typeface="+mn-lt"/>
+                        <a:ea typeface="+mn-ea"/>
+                        <a:cs typeface="+mn-cs"/>
+                      </a:endParaRPr>
+                    </a:p>
+                  </a:txBody>
+                  <a:tcPr marL="68580" marR="68580" marT="0" marB="0"/>
+                </a:tc>
+                <a:tc>
+                  <a:txBody>
+                    <a:bodyPr/>
+                    <a:lstStyle/>
+                    <a:p>
+                      <a:pPr marL="0" algn="l" defTabSz="914400" rtl="0" eaLnBrk="1" latinLnBrk="0" hangingPunct="1">
+                        <a:lnSpc>
+                          <a:spcPct val="107000"/>
+                        </a:lnSpc>
+                        <a:spcAft>
+                          <a:spcPts val="0"/>
+                        </a:spcAft>
+                      </a:pPr>
+                      <a:r>
+                        <a:rPr lang="en-GB" sz="2000" kern="1200" dirty="0" smtClean="0"/>
+                        <a:t>53117178</a:t>
+                      </a:r>
+                      <a:endParaRPr lang="en-GB" sz="2000" kern="1200" dirty="0">
+                        <a:solidFill>
+                          <a:schemeClr val="dk1"/>
+                        </a:solidFill>
+                        <a:latin typeface="+mn-lt"/>
+                        <a:ea typeface="+mn-ea"/>
+                        <a:cs typeface="+mn-cs"/>
+                      </a:endParaRPr>
+                    </a:p>
+                  </a:txBody>
+                  <a:tcPr marL="68580" marR="68580" marT="0" marB="0"/>
+                </a:tc>
+                <a:tc>
+                  <a:txBody>
+                    <a:bodyPr/>
+                    <a:lstStyle/>
+                    <a:p>
+                      <a:pPr marL="0" algn="l" defTabSz="914400" rtl="0" eaLnBrk="1" latinLnBrk="0" hangingPunct="1">
+                        <a:lnSpc>
+                          <a:spcPct val="107000"/>
+                        </a:lnSpc>
+                        <a:spcAft>
+                          <a:spcPts val="0"/>
+                        </a:spcAft>
+                      </a:pPr>
+                      <a:r>
+                        <a:rPr lang="en-GB" sz="2000" kern="1200" dirty="0"/>
+                        <a:t>Pair Programmer</a:t>
+                      </a:r>
+                      <a:endParaRPr lang="en-GB" sz="2000" kern="1200" dirty="0">
+                        <a:solidFill>
+                          <a:schemeClr val="dk1"/>
+                        </a:solidFill>
+                        <a:latin typeface="+mn-lt"/>
+                        <a:ea typeface="+mn-ea"/>
+                        <a:cs typeface="+mn-cs"/>
+                      </a:endParaRPr>
+                    </a:p>
+                  </a:txBody>
+                  <a:tcPr marL="68580" marR="68580" marT="0" marB="0"/>
+                </a:tc>
+              </a:tr>
+              <a:tr h="370840">
+                <a:tc>
+                  <a:txBody>
+                    <a:bodyPr/>
+                    <a:lstStyle/>
+                    <a:p>
+                      <a:pPr algn="l">
+                        <a:lnSpc>
+                          <a:spcPct val="107000"/>
+                        </a:lnSpc>
+                        <a:spcAft>
+                          <a:spcPts val="0"/>
+                        </a:spcAft>
+                      </a:pPr>
+                      <a:r>
+                        <a:rPr lang="en-GB" sz="2000" kern="1200" dirty="0"/>
+                        <a:t>CHEUNG Chi </a:t>
+                      </a:r>
+                      <a:r>
+                        <a:rPr lang="en-GB" sz="2000" kern="1200" dirty="0" smtClean="0"/>
+                        <a:t>Ngai</a:t>
+                      </a:r>
+                      <a:endParaRPr lang="en-GB" sz="2000" kern="1200" dirty="0">
+                        <a:solidFill>
+                          <a:schemeClr val="dk1"/>
+                        </a:solidFill>
+                        <a:latin typeface="+mn-lt"/>
+                        <a:ea typeface="+mn-ea"/>
+                        <a:cs typeface="+mn-cs"/>
+                      </a:endParaRPr>
+                    </a:p>
+                  </a:txBody>
+                  <a:tcPr marL="68580" marR="68580" marT="0" marB="0"/>
+                </a:tc>
+                <a:tc>
+                  <a:txBody>
+                    <a:bodyPr/>
+                    <a:lstStyle/>
+                    <a:p>
+                      <a:pPr algn="l">
+                        <a:lnSpc>
+                          <a:spcPct val="107000"/>
+                        </a:lnSpc>
+                        <a:spcAft>
+                          <a:spcPts val="0"/>
+                        </a:spcAft>
+                      </a:pPr>
+                      <a:r>
+                        <a:rPr lang="en-GB" sz="2000" kern="1200" dirty="0" smtClean="0"/>
+                        <a:t>53013494</a:t>
+                      </a:r>
+                      <a:endParaRPr lang="en-GB" sz="2000" kern="1200" dirty="0">
+                        <a:solidFill>
+                          <a:schemeClr val="dk1"/>
+                        </a:solidFill>
+                        <a:latin typeface="+mn-lt"/>
+                        <a:ea typeface="+mn-ea"/>
+                        <a:cs typeface="+mn-cs"/>
+                      </a:endParaRPr>
+                    </a:p>
+                  </a:txBody>
+                  <a:tcPr marL="68580" marR="68580" marT="0" marB="0"/>
+                </a:tc>
+                <a:tc>
+                  <a:txBody>
+                    <a:bodyPr/>
+                    <a:lstStyle/>
+                    <a:p>
+                      <a:pPr marL="0" marR="0" indent="0" algn="l" defTabSz="914400" rtl="0" eaLnBrk="1" fontAlgn="auto" latinLnBrk="0" hangingPunct="1">
+                        <a:lnSpc>
+                          <a:spcPct val="107000"/>
+                        </a:lnSpc>
+                        <a:spcBef>
+                          <a:spcPts val="0"/>
+                        </a:spcBef>
+                        <a:spcAft>
+                          <a:spcPts val="0"/>
+                        </a:spcAft>
+                        <a:buClrTx/>
+                        <a:buSzTx/>
+                        <a:buFontTx/>
+                        <a:buNone/>
+                        <a:tabLst/>
+                        <a:defRPr/>
+                      </a:pPr>
+                      <a:r>
+                        <a:rPr lang="en-GB" sz="2000" kern="1200" dirty="0" smtClean="0"/>
+                        <a:t>Pair Programmer</a:t>
+                      </a:r>
+                      <a:endParaRPr lang="en-GB" sz="2000" kern="1200" dirty="0" smtClean="0">
+                        <a:solidFill>
+                          <a:schemeClr val="dk1"/>
+                        </a:solidFill>
+                        <a:latin typeface="+mn-lt"/>
+                        <a:ea typeface="+mn-ea"/>
+                        <a:cs typeface="+mn-cs"/>
+                      </a:endParaRPr>
+                    </a:p>
+                  </a:txBody>
+                  <a:tcPr marL="68580" marR="68580" marT="0" marB="0"/>
+                </a:tc>
+              </a:tr>
+            </a:tbl>
+          </a:graphicData>
+        </a:graphic>
+      </p:graphicFrame>
+    </p:spTree>
+    <p:extLst>
+      <p:ext uri="{BB962C8B-B14F-4D97-AF65-F5344CB8AC3E}">
+        <p14:creationId xmlns:p14="http://schemas.microsoft.com/office/powerpoint/2010/main" val="2863542135"/>
       </p:ext>
     </p:extLst>
   </p:cSld>
@@ -19082,11 +19887,7 @@
           <a:bodyPr/>
           <a:lstStyle/>
           <a:p>
-            <a:r>
-              <a:rPr lang="en-GB" dirty="0" smtClean="0"/>
-              <a:t>Class Scheduler - Example</a:t>
-            </a:r>
-            <a:endParaRPr lang="en-GB" dirty="0"/>
+            <a:endParaRPr lang="en-GB"/>
           </a:p>
         </p:txBody>
       </p:sp>
@@ -19100,14 +19901,14 @@
             <p:ph idx="1"/>
             <p:extLst>
               <p:ext uri="{D42A27DB-BD31-4B8C-83A1-F6EECF244321}">
-                <p14:modId xmlns:p14="http://schemas.microsoft.com/office/powerpoint/2010/main" val="895700761"/>
+                <p14:modId xmlns:p14="http://schemas.microsoft.com/office/powerpoint/2010/main" val="3944325167"/>
               </p:ext>
             </p:extLst>
           </p:nvPr>
         </p:nvGraphicFramePr>
         <p:xfrm>
-          <a:off x="628650" y="1955799"/>
-          <a:ext cx="7409535" cy="525100"/>
+          <a:off x="628650" y="1825625"/>
+          <a:ext cx="7886700" cy="1854200"/>
         </p:xfrm>
         <a:graphic>
           <a:graphicData uri="http://schemas.openxmlformats.org/drawingml/2006/table">
@@ -19116,114 +19917,382 @@
                 <a:tableStyleId>{5C22544A-7EE6-4342-B048-85BDC9FD1C3A}</a:tableStyleId>
               </a:tblPr>
               <a:tblGrid>
-                <a:gridCol w="1481907"/>
-                <a:gridCol w="1481907"/>
-                <a:gridCol w="1481907"/>
-                <a:gridCol w="1481907"/>
-                <a:gridCol w="1481907"/>
+                <a:gridCol w="971550"/>
+                <a:gridCol w="673100"/>
+                <a:gridCol w="1206500"/>
+                <a:gridCol w="1295400"/>
+                <a:gridCol w="3740150"/>
               </a:tblGrid>
-              <a:tr h="261303">
+              <a:tr h="370840">
                 <a:tc>
                   <a:txBody>
                     <a:bodyPr/>
                     <a:lstStyle/>
                     <a:p>
-                      <a:endParaRPr lang="en-GB" sz="1300" dirty="0"/>
+                      <a:r>
+                        <a:rPr lang="en-GB" dirty="0" smtClean="0"/>
+                        <a:t>Course</a:t>
+                      </a:r>
+                      <a:endParaRPr lang="en-GB" dirty="0"/>
                     </a:p>
                   </a:txBody>
-                  <a:tcPr marL="64431" marR="64431" marT="32215" marB="32215"/>
+                  <a:tcPr/>
                 </a:tc>
                 <a:tc>
                   <a:txBody>
                     <a:bodyPr/>
                     <a:lstStyle/>
                     <a:p>
-                      <a:endParaRPr lang="en-GB" sz="1300"/>
+                      <a:r>
+                        <a:rPr lang="en-GB" dirty="0" smtClean="0"/>
+                        <a:t>Core</a:t>
+                      </a:r>
+                      <a:endParaRPr lang="en-GB" dirty="0"/>
                     </a:p>
                   </a:txBody>
-                  <a:tcPr marL="64431" marR="64431" marT="32215" marB="32215"/>
+                  <a:tcPr/>
                 </a:tc>
                 <a:tc>
                   <a:txBody>
                     <a:bodyPr/>
                     <a:lstStyle/>
                     <a:p>
-                      <a:endParaRPr lang="en-GB" sz="1300"/>
+                      <a:r>
+                        <a:rPr lang="en-GB" dirty="0" err="1" smtClean="0"/>
+                        <a:t>Lec</a:t>
+                      </a:r>
+                      <a:endParaRPr lang="en-GB" dirty="0"/>
                     </a:p>
                   </a:txBody>
-                  <a:tcPr marL="64431" marR="64431" marT="32215" marB="32215"/>
+                  <a:tcPr/>
                 </a:tc>
                 <a:tc>
                   <a:txBody>
                     <a:bodyPr/>
                     <a:lstStyle/>
                     <a:p>
-                      <a:endParaRPr lang="en-GB" sz="1300"/>
+                      <a:r>
+                        <a:rPr lang="en-GB" dirty="0" smtClean="0"/>
+                        <a:t>Tut 1</a:t>
+                      </a:r>
+                      <a:endParaRPr lang="en-GB" dirty="0"/>
                     </a:p>
                   </a:txBody>
-                  <a:tcPr marL="64431" marR="64431" marT="32215" marB="32215"/>
+                  <a:tcPr/>
                 </a:tc>
                 <a:tc>
                   <a:txBody>
                     <a:bodyPr/>
                     <a:lstStyle/>
                     <a:p>
-                      <a:endParaRPr lang="en-GB" sz="1300"/>
+                      <a:r>
+                        <a:rPr lang="en-GB" dirty="0" smtClean="0"/>
+                        <a:t>Tut 2</a:t>
+                      </a:r>
+                      <a:endParaRPr lang="en-GB" dirty="0"/>
                     </a:p>
                   </a:txBody>
-                  <a:tcPr marL="64431" marR="64431" marT="32215" marB="32215"/>
+                  <a:tcPr/>
                 </a:tc>
               </a:tr>
-              <a:tr h="261303">
+              <a:tr h="370840">
                 <a:tc>
                   <a:txBody>
                     <a:bodyPr/>
                     <a:lstStyle/>
                     <a:p>
-                      <a:endParaRPr lang="en-GB" sz="1300" dirty="0"/>
+                      <a:r>
+                        <a:rPr lang="en-GB" dirty="0" smtClean="0"/>
+                        <a:t>CS4182</a:t>
+                      </a:r>
+                      <a:endParaRPr lang="en-GB" dirty="0"/>
                     </a:p>
                   </a:txBody>
-                  <a:tcPr marL="64431" marR="64431" marT="32215" marB="32215"/>
+                  <a:tcPr/>
                 </a:tc>
                 <a:tc>
                   <a:txBody>
                     <a:bodyPr/>
                     <a:lstStyle/>
                     <a:p>
-                      <a:endParaRPr lang="en-GB" sz="1300"/>
+                      <a:r>
+                        <a:rPr lang="en-GB" dirty="0" smtClean="0"/>
+                        <a:t>Yes</a:t>
+                      </a:r>
+                      <a:endParaRPr lang="en-GB" dirty="0"/>
                     </a:p>
                   </a:txBody>
-                  <a:tcPr marL="64431" marR="64431" marT="32215" marB="32215"/>
+                  <a:tcPr/>
                 </a:tc>
                 <a:tc>
                   <a:txBody>
                     <a:bodyPr/>
                     <a:lstStyle/>
                     <a:p>
-                      <a:endParaRPr lang="en-GB" sz="1300"/>
+                      <a:r>
+                        <a:rPr lang="en-GB" dirty="0" smtClean="0"/>
+                        <a:t>Wed 11-13</a:t>
+                      </a:r>
+                      <a:endParaRPr lang="en-GB" dirty="0"/>
                     </a:p>
                   </a:txBody>
-                  <a:tcPr marL="64431" marR="64431" marT="32215" marB="32215"/>
+                  <a:tcPr/>
                 </a:tc>
                 <a:tc>
                   <a:txBody>
                     <a:bodyPr/>
                     <a:lstStyle/>
                     <a:p>
-                      <a:endParaRPr lang="en-GB" sz="1300"/>
+                      <a:r>
+                        <a:rPr lang="en-GB" dirty="0" smtClean="0"/>
+                        <a:t>Tue</a:t>
+                      </a:r>
+                      <a:r>
+                        <a:rPr lang="en-GB" baseline="0" dirty="0" smtClean="0"/>
+                        <a:t> 13-15</a:t>
+                      </a:r>
+                      <a:endParaRPr lang="en-GB" dirty="0"/>
                     </a:p>
                   </a:txBody>
-                  <a:tcPr marL="64431" marR="64431" marT="32215" marB="32215"/>
+                  <a:tcPr/>
                 </a:tc>
                 <a:tc>
                   <a:txBody>
                     <a:bodyPr/>
                     <a:lstStyle/>
                     <a:p>
-                      <a:endParaRPr lang="en-GB" sz="1300" dirty="0"/>
+                      <a:endParaRPr lang="en-GB" dirty="0"/>
                     </a:p>
                   </a:txBody>
-                  <a:tcPr marL="64431" marR="64431" marT="32215" marB="32215"/>
+                  <a:tcPr/>
+                </a:tc>
+              </a:tr>
+              <a:tr h="370840">
+                <a:tc>
+                  <a:txBody>
+                    <a:bodyPr/>
+                    <a:lstStyle/>
+                    <a:p>
+                      <a:r>
+                        <a:rPr lang="en-GB" dirty="0" smtClean="0"/>
+                        <a:t>CS4280</a:t>
+                      </a:r>
+                      <a:endParaRPr lang="en-GB" dirty="0"/>
+                    </a:p>
+                  </a:txBody>
+                  <a:tcPr/>
+                </a:tc>
+                <a:tc>
+                  <a:txBody>
+                    <a:bodyPr/>
+                    <a:lstStyle/>
+                    <a:p>
+                      <a:r>
+                        <a:rPr lang="en-GB" dirty="0" smtClean="0"/>
+                        <a:t>No</a:t>
+                      </a:r>
+                      <a:endParaRPr lang="en-GB" dirty="0"/>
+                    </a:p>
+                  </a:txBody>
+                  <a:tcPr/>
+                </a:tc>
+                <a:tc>
+                  <a:txBody>
+                    <a:bodyPr/>
+                    <a:lstStyle/>
+                    <a:p>
+                      <a:r>
+                        <a:rPr lang="en-GB" dirty="0" smtClean="0"/>
+                        <a:t>Fri</a:t>
+                      </a:r>
+                      <a:r>
+                        <a:rPr lang="en-GB" baseline="0" dirty="0" smtClean="0"/>
+                        <a:t> 9-11</a:t>
+                      </a:r>
+                      <a:endParaRPr lang="en-GB" dirty="0"/>
+                    </a:p>
+                  </a:txBody>
+                  <a:tcPr/>
+                </a:tc>
+                <a:tc>
+                  <a:txBody>
+                    <a:bodyPr/>
+                    <a:lstStyle/>
+                    <a:p>
+                      <a:r>
+                        <a:rPr lang="en-GB" dirty="0" smtClean="0"/>
+                        <a:t>Fri 11-12</a:t>
+                      </a:r>
+                      <a:endParaRPr lang="en-GB" dirty="0"/>
+                    </a:p>
+                  </a:txBody>
+                  <a:tcPr/>
+                </a:tc>
+                <a:tc>
+                  <a:txBody>
+                    <a:bodyPr/>
+                    <a:lstStyle/>
+                    <a:p>
+                      <a:endParaRPr lang="en-GB" dirty="0"/>
+                    </a:p>
+                  </a:txBody>
+                  <a:tcPr/>
+                </a:tc>
+              </a:tr>
+              <a:tr h="370840">
+                <a:tc>
+                  <a:txBody>
+                    <a:bodyPr/>
+                    <a:lstStyle/>
+                    <a:p>
+                      <a:r>
+                        <a:rPr lang="en-GB" dirty="0" smtClean="0"/>
+                        <a:t>CS4284</a:t>
+                      </a:r>
+                      <a:endParaRPr lang="en-GB" dirty="0"/>
+                    </a:p>
+                  </a:txBody>
+                  <a:tcPr/>
+                </a:tc>
+                <a:tc>
+                  <a:txBody>
+                    <a:bodyPr/>
+                    <a:lstStyle/>
+                    <a:p>
+                      <a:r>
+                        <a:rPr lang="en-GB" dirty="0" smtClean="0"/>
+                        <a:t>No</a:t>
+                      </a:r>
+                      <a:endParaRPr lang="en-GB" dirty="0"/>
+                    </a:p>
+                  </a:txBody>
+                  <a:tcPr/>
+                </a:tc>
+                <a:tc>
+                  <a:txBody>
+                    <a:bodyPr/>
+                    <a:lstStyle/>
+                    <a:p>
+                      <a:pPr marL="0" marR="0" indent="0" algn="l" defTabSz="914400" rtl="0" eaLnBrk="1" fontAlgn="auto" latinLnBrk="0" hangingPunct="1">
+                        <a:lnSpc>
+                          <a:spcPct val="100000"/>
+                        </a:lnSpc>
+                        <a:spcBef>
+                          <a:spcPts val="0"/>
+                        </a:spcBef>
+                        <a:spcAft>
+                          <a:spcPts val="0"/>
+                        </a:spcAft>
+                        <a:buClrTx/>
+                        <a:buSzTx/>
+                        <a:buFontTx/>
+                        <a:buNone/>
+                        <a:tabLst/>
+                        <a:defRPr/>
+                      </a:pPr>
+                      <a:r>
+                        <a:rPr lang="en-GB" dirty="0" smtClean="0"/>
+                        <a:t>Sat 11-13</a:t>
+                      </a:r>
+                    </a:p>
+                  </a:txBody>
+                  <a:tcPr/>
+                </a:tc>
+                <a:tc>
+                  <a:txBody>
+                    <a:bodyPr/>
+                    <a:lstStyle/>
+                    <a:p>
+                      <a:r>
+                        <a:rPr lang="en-GB" dirty="0" smtClean="0"/>
+                        <a:t>Mon 15-16</a:t>
+                      </a:r>
+                      <a:endParaRPr lang="en-GB" dirty="0"/>
+                    </a:p>
+                  </a:txBody>
+                  <a:tcPr/>
+                </a:tc>
+                <a:tc>
+                  <a:txBody>
+                    <a:bodyPr/>
+                    <a:lstStyle/>
+                    <a:p>
+                      <a:endParaRPr lang="en-GB" dirty="0"/>
+                    </a:p>
+                  </a:txBody>
+                  <a:tcPr/>
+                </a:tc>
+              </a:tr>
+              <a:tr h="370840">
+                <a:tc>
+                  <a:txBody>
+                    <a:bodyPr/>
+                    <a:lstStyle/>
+                    <a:p>
+                      <a:r>
+                        <a:rPr lang="en-GB" dirty="0" smtClean="0"/>
+                        <a:t>CS4285</a:t>
+                      </a:r>
+                      <a:endParaRPr lang="en-GB" dirty="0"/>
+                    </a:p>
+                  </a:txBody>
+                  <a:tcPr/>
+                </a:tc>
+                <a:tc>
+                  <a:txBody>
+                    <a:bodyPr/>
+                    <a:lstStyle/>
+                    <a:p>
+                      <a:r>
+                        <a:rPr lang="en-GB" dirty="0" smtClean="0"/>
+                        <a:t>No</a:t>
+                      </a:r>
+                      <a:endParaRPr lang="en-GB" dirty="0"/>
+                    </a:p>
+                  </a:txBody>
+                  <a:tcPr/>
+                </a:tc>
+                <a:tc>
+                  <a:txBody>
+                    <a:bodyPr/>
+                    <a:lstStyle/>
+                    <a:p>
+                      <a:r>
+                        <a:rPr lang="en-GB" dirty="0" smtClean="0"/>
+                        <a:t>Tue 12-13</a:t>
+                      </a:r>
+                      <a:endParaRPr lang="en-GB" dirty="0"/>
+                    </a:p>
+                  </a:txBody>
+                  <a:tcPr/>
+                </a:tc>
+                <a:tc>
+                  <a:txBody>
+                    <a:bodyPr/>
+                    <a:lstStyle/>
+                    <a:p>
+                      <a:r>
+                        <a:rPr lang="en-GB" dirty="0" smtClean="0"/>
+                        <a:t>Fri 11-12</a:t>
+                      </a:r>
+                      <a:endParaRPr lang="en-GB" dirty="0"/>
+                    </a:p>
+                  </a:txBody>
+                  <a:tcPr/>
+                </a:tc>
+                <a:tc>
+                  <a:txBody>
+                    <a:bodyPr/>
+                    <a:lstStyle/>
+                    <a:p>
+                      <a:r>
+                        <a:rPr lang="en-GB" dirty="0" smtClean="0"/>
+                        <a:t>Fri 13-14</a:t>
+                      </a:r>
+                      <a:endParaRPr lang="en-GB" dirty="0"/>
+                    </a:p>
+                  </a:txBody>
+                  <a:tcPr/>
                 </a:tc>
               </a:tr>
             </a:tbl>
@@ -19233,7 +20302,7 @@
     </p:spTree>
     <p:extLst>
       <p:ext uri="{BB962C8B-B14F-4D97-AF65-F5344CB8AC3E}">
-        <p14:creationId xmlns:p14="http://schemas.microsoft.com/office/powerpoint/2010/main" val="3047365652"/>
+        <p14:creationId xmlns:p14="http://schemas.microsoft.com/office/powerpoint/2010/main" val="2007122084"/>
       </p:ext>
     </p:extLst>
   </p:cSld>
@@ -19275,39 +20344,50 @@
           <a:bodyPr/>
           <a:lstStyle/>
           <a:p>
-            <a:endParaRPr lang="en-GB"/>
+            <a:r>
+              <a:rPr lang="en-GB" dirty="0" smtClean="0"/>
+              <a:t>Class Scheduler - WBS</a:t>
+            </a:r>
+            <a:endParaRPr lang="en-GB" dirty="0"/>
           </a:p>
         </p:txBody>
       </p:sp>
-      <p:graphicFrame>
-        <p:nvGraphicFramePr>
-          <p:cNvPr id="4" name="資料庫圖表 11"/>
-          <p:cNvGraphicFramePr>
-            <a:graphicFrameLocks noGrp="1"/>
-          </p:cNvGraphicFramePr>
+      <p:sp>
+        <p:nvSpPr>
+          <p:cNvPr id="5" name="Content Placeholder 4"/>
+          <p:cNvSpPr>
+            <a:spLocks noGrp="1"/>
+          </p:cNvSpPr>
           <p:nvPr>
             <p:ph idx="1"/>
-            <p:extLst>
-              <p:ext uri="{D42A27DB-BD31-4B8C-83A1-F6EECF244321}">
-                <p14:modId xmlns:p14="http://schemas.microsoft.com/office/powerpoint/2010/main" val="2582293158"/>
-              </p:ext>
-            </p:extLst>
           </p:nvPr>
-        </p:nvGraphicFramePr>
-        <p:xfrm>
-          <a:off x="628650" y="365126"/>
-          <a:ext cx="7886700" cy="5811837"/>
-        </p:xfrm>
-        <a:graphic>
-          <a:graphicData uri="http://schemas.openxmlformats.org/drawingml/2006/diagram">
-            <dgm:relIds xmlns:dgm="http://schemas.openxmlformats.org/drawingml/2006/diagram" xmlns:r="http://schemas.openxmlformats.org/officeDocument/2006/relationships" r:dm="rId2" r:lo="rId3" r:qs="rId4" r:cs="rId5"/>
-          </a:graphicData>
-        </a:graphic>
-      </p:graphicFrame>
+        </p:nvSpPr>
+        <p:spPr/>
+        <p:txBody>
+          <a:bodyPr/>
+          <a:lstStyle/>
+          <a:p>
+            <a:r>
+              <a:rPr lang="en-GB" dirty="0" smtClean="0"/>
+              <a:t>Process-type</a:t>
+            </a:r>
+          </a:p>
+          <a:p>
+            <a:endParaRPr lang="en-GB" dirty="0"/>
+          </a:p>
+          <a:p>
+            <a:r>
+              <a:rPr lang="en-GB" dirty="0" smtClean="0"/>
+              <a:t>Product-type</a:t>
+            </a:r>
+            <a:endParaRPr lang="en-GB" dirty="0"/>
+          </a:p>
+        </p:txBody>
+      </p:sp>
     </p:spTree>
     <p:extLst>
       <p:ext uri="{BB962C8B-B14F-4D97-AF65-F5344CB8AC3E}">
-        <p14:creationId xmlns:p14="http://schemas.microsoft.com/office/powerpoint/2010/main" val="3296529199"/>
+        <p14:creationId xmlns:p14="http://schemas.microsoft.com/office/powerpoint/2010/main" val="3047365652"/>
       </p:ext>
     </p:extLst>
   </p:cSld>
